--- a/最知心的朋友.pptx
+++ b/最知心的朋友.pptx
@@ -107,6 +107,22 @@
       </a:defRPr>
     </a:lvl9pPr>
   </p:defaultTextStyle>
+  <p:extLst>
+    <p:ext uri="{EFAFB233-063F-42B5-8137-9DF3F51BA10A}">
+      <p15:sldGuideLst xmlns:p15="http://schemas.microsoft.com/office/powerpoint/2012/main">
+        <p15:guide id="1" orient="horz" pos="1620">
+          <p15:clr>
+            <a:srgbClr val="A4A3A4"/>
+          </p15:clr>
+        </p15:guide>
+        <p15:guide id="2" pos="2880">
+          <p15:clr>
+            <a:srgbClr val="A4A3A4"/>
+          </p15:clr>
+        </p15:guide>
+      </p15:sldGuideLst>
+    </p:ext>
+  </p:extLst>
 </p:presentation>
 </file>
 
@@ -291,7 +307,7 @@
           <a:p>
             <a:fld id="{289A9120-AE54-4763-9812-197ED380588B}" type="datetimeFigureOut">
               <a:rPr lang="en-US" smtClean="0"/>
-              <a:t>7/27/2019</a:t>
+              <a:t>8/12/2023</a:t>
             </a:fld>
             <a:endParaRPr lang="en-US"/>
           </a:p>
@@ -456,7 +472,7 @@
           <a:p>
             <a:fld id="{289A9120-AE54-4763-9812-197ED380588B}" type="datetimeFigureOut">
               <a:rPr lang="en-US" smtClean="0"/>
-              <a:t>7/27/2019</a:t>
+              <a:t>8/12/2023</a:t>
             </a:fld>
             <a:endParaRPr lang="en-US"/>
           </a:p>
@@ -631,7 +647,7 @@
           <a:p>
             <a:fld id="{289A9120-AE54-4763-9812-197ED380588B}" type="datetimeFigureOut">
               <a:rPr lang="en-US" smtClean="0"/>
-              <a:t>7/27/2019</a:t>
+              <a:t>8/12/2023</a:t>
             </a:fld>
             <a:endParaRPr lang="en-US"/>
           </a:p>
@@ -796,7 +812,7 @@
           <a:p>
             <a:fld id="{289A9120-AE54-4763-9812-197ED380588B}" type="datetimeFigureOut">
               <a:rPr lang="en-US" smtClean="0"/>
-              <a:t>7/27/2019</a:t>
+              <a:t>8/12/2023</a:t>
             </a:fld>
             <a:endParaRPr lang="en-US"/>
           </a:p>
@@ -1037,7 +1053,7 @@
           <a:p>
             <a:fld id="{289A9120-AE54-4763-9812-197ED380588B}" type="datetimeFigureOut">
               <a:rPr lang="en-US" smtClean="0"/>
-              <a:t>7/27/2019</a:t>
+              <a:t>8/12/2023</a:t>
             </a:fld>
             <a:endParaRPr lang="en-US"/>
           </a:p>
@@ -1320,7 +1336,7 @@
           <a:p>
             <a:fld id="{289A9120-AE54-4763-9812-197ED380588B}" type="datetimeFigureOut">
               <a:rPr lang="en-US" smtClean="0"/>
-              <a:t>7/27/2019</a:t>
+              <a:t>8/12/2023</a:t>
             </a:fld>
             <a:endParaRPr lang="en-US"/>
           </a:p>
@@ -1737,7 +1753,7 @@
           <a:p>
             <a:fld id="{289A9120-AE54-4763-9812-197ED380588B}" type="datetimeFigureOut">
               <a:rPr lang="en-US" smtClean="0"/>
-              <a:t>7/27/2019</a:t>
+              <a:t>8/12/2023</a:t>
             </a:fld>
             <a:endParaRPr lang="en-US"/>
           </a:p>
@@ -1850,7 +1866,7 @@
           <a:p>
             <a:fld id="{289A9120-AE54-4763-9812-197ED380588B}" type="datetimeFigureOut">
               <a:rPr lang="en-US" smtClean="0"/>
-              <a:t>7/27/2019</a:t>
+              <a:t>8/12/2023</a:t>
             </a:fld>
             <a:endParaRPr lang="en-US"/>
           </a:p>
@@ -1940,7 +1956,7 @@
           <a:p>
             <a:fld id="{289A9120-AE54-4763-9812-197ED380588B}" type="datetimeFigureOut">
               <a:rPr lang="en-US" smtClean="0"/>
-              <a:t>7/27/2019</a:t>
+              <a:t>8/12/2023</a:t>
             </a:fld>
             <a:endParaRPr lang="en-US"/>
           </a:p>
@@ -2212,7 +2228,7 @@
           <a:p>
             <a:fld id="{289A9120-AE54-4763-9812-197ED380588B}" type="datetimeFigureOut">
               <a:rPr lang="en-US" smtClean="0"/>
-              <a:t>7/27/2019</a:t>
+              <a:t>8/12/2023</a:t>
             </a:fld>
             <a:endParaRPr lang="en-US"/>
           </a:p>
@@ -2464,7 +2480,7 @@
           <a:p>
             <a:fld id="{289A9120-AE54-4763-9812-197ED380588B}" type="datetimeFigureOut">
               <a:rPr lang="en-US" smtClean="0"/>
-              <a:t>7/27/2019</a:t>
+              <a:t>8/12/2023</a:t>
             </a:fld>
             <a:endParaRPr lang="en-US"/>
           </a:p>
@@ -2677,7 +2693,7 @@
           <a:p>
             <a:fld id="{289A9120-AE54-4763-9812-197ED380588B}" type="datetimeFigureOut">
               <a:rPr lang="en-US" smtClean="0"/>
-              <a:t>7/27/2019</a:t>
+              <a:t>8/12/2023</a:t>
             </a:fld>
             <a:endParaRPr lang="en-US"/>
           </a:p>
@@ -3099,11 +3115,18 @@
               <a:buNone/>
             </a:pPr>
             <a:r>
+              <a:rPr lang="zh-TW" altLang="en-US" sz="4800" b="1" dirty="0" smtClean="0">
+                <a:latin typeface="Microsoft JhengHei" pitchFamily="34" charset="-120"/>
+                <a:ea typeface="Microsoft JhengHei" pitchFamily="34" charset="-120"/>
+              </a:rPr>
+              <a:t>主祢是</a:t>
+            </a:r>
+            <a:r>
               <a:rPr lang="zh-TW" altLang="en-US" sz="4800" b="1" dirty="0">
                 <a:latin typeface="Microsoft JhengHei" pitchFamily="34" charset="-120"/>
                 <a:ea typeface="Microsoft JhengHei" pitchFamily="34" charset="-120"/>
               </a:rPr>
-              <a:t>主你是我最知心的朋友</a:t>
+              <a:t>我最知心的朋友</a:t>
             </a:r>
             <a:endParaRPr lang="en-US" sz="4800" b="1" dirty="0">
               <a:latin typeface="Microsoft JhengHei" pitchFamily="34" charset="-120"/>
@@ -3115,11 +3138,18 @@
               <a:buNone/>
             </a:pPr>
             <a:r>
+              <a:rPr lang="zh-TW" altLang="en-US" sz="4800" b="1" dirty="0" smtClean="0">
+                <a:latin typeface="Microsoft JhengHei" pitchFamily="34" charset="-120"/>
+                <a:ea typeface="Microsoft JhengHei" pitchFamily="34" charset="-120"/>
+              </a:rPr>
+              <a:t>主祢是</a:t>
+            </a:r>
+            <a:r>
               <a:rPr lang="zh-TW" altLang="en-US" sz="4800" b="1" dirty="0">
                 <a:latin typeface="Microsoft JhengHei" pitchFamily="34" charset="-120"/>
                 <a:ea typeface="Microsoft JhengHei" pitchFamily="34" charset="-120"/>
               </a:rPr>
-              <a:t>主你是我最親愛的伴侶</a:t>
+              <a:t>我最親愛的伴侶</a:t>
             </a:r>
             <a:endParaRPr lang="en-US" sz="4800" b="1" dirty="0">
               <a:latin typeface="Microsoft JhengHei" pitchFamily="34" charset="-120"/>
@@ -3135,7 +3165,14 @@
                 <a:latin typeface="Microsoft JhengHei" pitchFamily="34" charset="-120"/>
                 <a:ea typeface="Microsoft JhengHei" pitchFamily="34" charset="-120"/>
               </a:rPr>
-              <a:t>我的心在天天追想著你</a:t>
+              <a:t>我的心在天天追想</a:t>
+            </a:r>
+            <a:r>
+              <a:rPr lang="zh-TW" altLang="en-US" sz="4800" b="1" dirty="0" smtClean="0">
+                <a:latin typeface="Microsoft JhengHei" pitchFamily="34" charset="-120"/>
+                <a:ea typeface="Microsoft JhengHei" pitchFamily="34" charset="-120"/>
+              </a:rPr>
+              <a:t>著祢</a:t>
             </a:r>
             <a:endParaRPr lang="en-US" sz="4800" b="1" dirty="0">
               <a:latin typeface="Microsoft JhengHei" pitchFamily="34" charset="-120"/>
@@ -3151,7 +3188,21 @@
                 <a:latin typeface="Microsoft JhengHei" pitchFamily="34" charset="-120"/>
                 <a:ea typeface="Microsoft JhengHei" pitchFamily="34" charset="-120"/>
               </a:rPr>
-              <a:t>渴望見到你的面</a:t>
+              <a:t>渴望見</a:t>
+            </a:r>
+            <a:r>
+              <a:rPr lang="zh-TW" altLang="en-US" sz="4800" b="1" dirty="0" smtClean="0">
+                <a:latin typeface="Microsoft JhengHei" pitchFamily="34" charset="-120"/>
+                <a:ea typeface="Microsoft JhengHei" pitchFamily="34" charset="-120"/>
+              </a:rPr>
+              <a:t>到祢的</a:t>
+            </a:r>
+            <a:r>
+              <a:rPr lang="zh-TW" altLang="en-US" sz="4800" b="1" dirty="0">
+                <a:latin typeface="Microsoft JhengHei" pitchFamily="34" charset="-120"/>
+                <a:ea typeface="Microsoft JhengHei" pitchFamily="34" charset="-120"/>
+              </a:rPr>
+              <a:t>面</a:t>
             </a:r>
             <a:endParaRPr lang="en-US" sz="4800" b="1" dirty="0">
               <a:latin typeface="Microsoft JhengHei" pitchFamily="34" charset="-120"/>
@@ -3272,11 +3323,18 @@
               <a:buNone/>
             </a:pPr>
             <a:r>
+              <a:rPr lang="zh-TW" altLang="en-US" sz="4800" b="1" dirty="0" smtClean="0">
+                <a:latin typeface="Microsoft JhengHei" pitchFamily="34" charset="-120"/>
+                <a:ea typeface="Microsoft JhengHei" pitchFamily="34" charset="-120"/>
+              </a:rPr>
+              <a:t>祢的</a:t>
+            </a:r>
+            <a:r>
               <a:rPr lang="zh-TW" altLang="en-US" sz="4800" b="1" dirty="0">
                 <a:latin typeface="Microsoft JhengHei" pitchFamily="34" charset="-120"/>
                 <a:ea typeface="Microsoft JhengHei" pitchFamily="34" charset="-120"/>
               </a:rPr>
-              <a:t>你的手總是在攙拉著我</a:t>
+              <a:t>手總是在攙拉著我</a:t>
             </a:r>
             <a:endParaRPr lang="en-US" sz="4800" b="1" dirty="0">
               <a:latin typeface="Microsoft JhengHei" pitchFamily="34" charset="-120"/>
@@ -3292,21 +3350,35 @@
                 <a:latin typeface="Microsoft JhengHei" pitchFamily="34" charset="-120"/>
                 <a:ea typeface="Microsoft JhengHei" pitchFamily="34" charset="-120"/>
               </a:rPr>
-              <a:t>把我帶在</a:t>
-            </a:r>
-            <a:r>
-              <a:rPr lang="zh-CN" altLang="en-US" sz="4800" b="1" dirty="0">
+              <a:t>把我帶</a:t>
+            </a:r>
+            <a:r>
+              <a:rPr lang="zh-TW" altLang="en-US" sz="4800" b="1" dirty="0" smtClean="0">
                 <a:latin typeface="Microsoft JhengHei" pitchFamily="34" charset="-120"/>
                 <a:ea typeface="Microsoft JhengHei" pitchFamily="34" charset="-120"/>
               </a:rPr>
-              <a:t>你</a:t>
+              <a:t>在</a:t>
+            </a:r>
+            <a:r>
+              <a:rPr lang="zh-CN" altLang="en-US" sz="4800" b="1" dirty="0" smtClean="0">
+                <a:latin typeface="Microsoft JhengHei" pitchFamily="34" charset="-120"/>
+                <a:ea typeface="Microsoft JhengHei" pitchFamily="34" charset="-120"/>
+              </a:rPr>
+              <a:t>祢</a:t>
+            </a:r>
+            <a:r>
+              <a:rPr lang="zh-TW" altLang="en-US" sz="4800" b="1" dirty="0" smtClean="0">
+                <a:latin typeface="Microsoft JhengHei" pitchFamily="34" charset="-120"/>
+                <a:ea typeface="Microsoft JhengHei" pitchFamily="34" charset="-120"/>
+              </a:rPr>
+              <a:t>身</a:t>
             </a:r>
             <a:r>
               <a:rPr lang="zh-TW" altLang="en-US" sz="4800" b="1" dirty="0">
                 <a:latin typeface="Microsoft JhengHei" pitchFamily="34" charset="-120"/>
                 <a:ea typeface="Microsoft JhengHei" pitchFamily="34" charset="-120"/>
               </a:rPr>
-              <a:t>身邊</a:t>
+              <a:t>邊</a:t>
             </a:r>
             <a:endParaRPr lang="en-US" sz="4800" b="1" dirty="0">
               <a:latin typeface="Microsoft JhengHei" pitchFamily="34" charset="-120"/>
@@ -3406,100 +3478,72 @@
                 <a:latin typeface="Microsoft JhengHei" pitchFamily="34" charset="-120"/>
                 <a:ea typeface="Microsoft JhengHei" pitchFamily="34" charset="-120"/>
               </a:rPr>
-              <a:t>告訴我當走的</a:t>
-            </a:r>
+              <a:t>告訴我當走的路</a:t>
+            </a:r>
+            <a:r>
+              <a:rPr lang="en-US" altLang="zh-TW" sz="4800" b="1" dirty="0">
+                <a:latin typeface="Microsoft JhengHei" pitchFamily="34" charset="-120"/>
+                <a:ea typeface="Microsoft JhengHei" pitchFamily="34" charset="-120"/>
+              </a:rPr>
+              <a:t>  </a:t>
+            </a:r>
+          </a:p>
+          <a:p>
+            <a:pPr marL="0" indent="0" algn="ctr">
+              <a:buNone/>
+            </a:pPr>
             <a:r>
               <a:rPr lang="zh-TW" altLang="en-US" sz="4800" b="1" dirty="0">
                 <a:latin typeface="Microsoft JhengHei" pitchFamily="34" charset="-120"/>
                 <a:ea typeface="Microsoft JhengHei" pitchFamily="34" charset="-120"/>
               </a:rPr>
-              <a:t>路</a:t>
-            </a:r>
-            <a:r>
-              <a:rPr lang="en-US" altLang="zh-TW" sz="4800" b="1" dirty="0">
+              <a:t>沒有滑向死亡線</a:t>
+            </a:r>
+            <a:endParaRPr lang="en-US" sz="4800" b="1" dirty="0">
+              <a:latin typeface="Microsoft JhengHei" pitchFamily="34" charset="-120"/>
+              <a:ea typeface="Microsoft JhengHei" pitchFamily="34" charset="-120"/>
+            </a:endParaRPr>
+          </a:p>
+          <a:p>
+            <a:pPr marL="0" indent="0" algn="ctr">
+              <a:buNone/>
+            </a:pPr>
+            <a:r>
+              <a:rPr lang="zh-CN" altLang="en-US" sz="4800" b="1" dirty="0" smtClean="0">
                 <a:latin typeface="Microsoft JhengHei" pitchFamily="34" charset="-120"/>
                 <a:ea typeface="Microsoft JhengHei" pitchFamily="34" charset="-120"/>
               </a:rPr>
-              <a:t> </a:t>
-            </a:r>
-            <a:r>
-              <a:rPr lang="en-US" altLang="zh-TW" sz="4800" b="1" dirty="0">
+              <a:t>祢</a:t>
+            </a:r>
+            <a:r>
+              <a:rPr lang="zh-TW" altLang="en-US" sz="4800" b="1" dirty="0" smtClean="0">
                 <a:latin typeface="Microsoft JhengHei" pitchFamily="34" charset="-120"/>
                 <a:ea typeface="Microsoft JhengHei" pitchFamily="34" charset="-120"/>
               </a:rPr>
-              <a:t> </a:t>
-            </a:r>
-          </a:p>
-          <a:p>
-            <a:pPr marL="0" indent="0" algn="ctr">
-              <a:buNone/>
-            </a:pPr>
+              <a:t>愛</a:t>
+            </a:r>
             <a:r>
               <a:rPr lang="zh-TW" altLang="en-US" sz="4800" b="1" dirty="0">
                 <a:latin typeface="Microsoft JhengHei" pitchFamily="34" charset="-120"/>
                 <a:ea typeface="Microsoft JhengHei" pitchFamily="34" charset="-120"/>
               </a:rPr>
-              <a:t>沒</a:t>
-            </a:r>
+              <a:t>何等的長闊深高</a:t>
+            </a:r>
+            <a:endParaRPr lang="en-US" altLang="zh-TW" sz="4800" b="1" dirty="0">
+              <a:latin typeface="Microsoft JhengHei" pitchFamily="34" charset="-120"/>
+              <a:ea typeface="Microsoft JhengHei" pitchFamily="34" charset="-120"/>
+            </a:endParaRPr>
+          </a:p>
+          <a:p>
+            <a:pPr marL="0" indent="0" algn="ctr">
+              <a:buNone/>
+            </a:pPr>
             <a:r>
               <a:rPr lang="zh-TW" altLang="en-US" sz="4800" b="1" dirty="0">
                 <a:latin typeface="Microsoft JhengHei" pitchFamily="34" charset="-120"/>
                 <a:ea typeface="Microsoft JhengHei" pitchFamily="34" charset="-120"/>
               </a:rPr>
-              <a:t>有滑向死亡線</a:t>
-            </a:r>
-            <a:endParaRPr lang="en-US" sz="4800" b="1" dirty="0">
-              <a:latin typeface="Microsoft JhengHei" pitchFamily="34" charset="-120"/>
-              <a:ea typeface="Microsoft JhengHei" pitchFamily="34" charset="-120"/>
-            </a:endParaRPr>
-          </a:p>
-          <a:p>
-            <a:pPr marL="0" indent="0" algn="ctr">
-              <a:buNone/>
-            </a:pPr>
-            <a:r>
-              <a:rPr lang="zh-CN" altLang="en-US" sz="4800" b="1" dirty="0">
-                <a:latin typeface="Microsoft JhengHei" pitchFamily="34" charset="-120"/>
-                <a:ea typeface="Microsoft JhengHei" pitchFamily="34" charset="-120"/>
-              </a:rPr>
-              <a:t>你</a:t>
-            </a:r>
-            <a:r>
-              <a:rPr lang="zh-TW" altLang="en-US" sz="4800" b="1" dirty="0">
-                <a:latin typeface="Microsoft JhengHei" pitchFamily="34" charset="-120"/>
-                <a:ea typeface="Microsoft JhengHei" pitchFamily="34" charset="-120"/>
-              </a:rPr>
-              <a:t>愛何等的長闊深</a:t>
-            </a:r>
-            <a:r>
-              <a:rPr lang="zh-TW" altLang="en-US" sz="4800" b="1" dirty="0">
-                <a:latin typeface="Microsoft JhengHei" pitchFamily="34" charset="-120"/>
-                <a:ea typeface="Microsoft JhengHei" pitchFamily="34" charset="-120"/>
-              </a:rPr>
-              <a:t>高</a:t>
-            </a:r>
-            <a:endParaRPr lang="en-US" altLang="zh-TW" sz="4800" b="1" dirty="0">
-              <a:latin typeface="Microsoft JhengHei" pitchFamily="34" charset="-120"/>
-              <a:ea typeface="Microsoft JhengHei" pitchFamily="34" charset="-120"/>
-            </a:endParaRPr>
-          </a:p>
-          <a:p>
-            <a:pPr marL="0" indent="0" algn="ctr">
-              <a:buNone/>
-            </a:pPr>
-            <a:r>
-              <a:rPr lang="zh-TW" altLang="en-US" sz="4800" b="1" dirty="0">
-                <a:latin typeface="Microsoft JhengHei" pitchFamily="34" charset="-120"/>
-                <a:ea typeface="Microsoft JhengHei" pitchFamily="34" charset="-120"/>
-              </a:rPr>
-              <a:t>我</a:t>
-            </a:r>
-            <a:r>
-              <a:rPr lang="zh-TW" altLang="en-US" sz="4800" b="1" dirty="0">
-                <a:latin typeface="Microsoft JhengHei" pitchFamily="34" charset="-120"/>
-                <a:ea typeface="Microsoft JhengHei" pitchFamily="34" charset="-120"/>
-              </a:rPr>
-              <a:t>心發出驚嘆</a:t>
+              <a:t>我心發出驚嘆</a:t>
             </a:r>
             <a:endParaRPr lang="en-US" sz="4800" b="1" dirty="0">
               <a:latin typeface="Microsoft JhengHei" pitchFamily="34" charset="-120"/>
